--- a/format/uml/SpecificationFigures.pptx
+++ b/format/uml/SpecificationFigures.pptx
@@ -218,7 +218,7 @@
           <a:p>
             <a:fld id="{DBD45C97-1077-4622-A936-229BE89647D5}" type="datetimeFigureOut">
               <a:rPr lang="de-CH" smtClean="0"/>
-              <a:t>09.06.2015</a:t>
+              <a:t>25.08.2016</a:t>
             </a:fld>
             <a:endParaRPr lang="de-CH"/>
           </a:p>
@@ -1265,7 +1265,7 @@
           <a:p>
             <a:fld id="{8477DB91-D4F4-47C0-BB7C-05B39326A595}" type="datetimeFigureOut">
               <a:rPr lang="de-CH" smtClean="0"/>
-              <a:t>09.06.2015</a:t>
+              <a:t>25.08.2016</a:t>
             </a:fld>
             <a:endParaRPr lang="de-CH"/>
           </a:p>
@@ -1435,7 +1435,7 @@
           <a:p>
             <a:fld id="{8477DB91-D4F4-47C0-BB7C-05B39326A595}" type="datetimeFigureOut">
               <a:rPr lang="de-CH" smtClean="0"/>
-              <a:t>09.06.2015</a:t>
+              <a:t>25.08.2016</a:t>
             </a:fld>
             <a:endParaRPr lang="de-CH"/>
           </a:p>
@@ -1615,7 +1615,7 @@
           <a:p>
             <a:fld id="{8477DB91-D4F4-47C0-BB7C-05B39326A595}" type="datetimeFigureOut">
               <a:rPr lang="de-CH" smtClean="0"/>
-              <a:t>09.06.2015</a:t>
+              <a:t>25.08.2016</a:t>
             </a:fld>
             <a:endParaRPr lang="de-CH"/>
           </a:p>
@@ -1785,7 +1785,7 @@
           <a:p>
             <a:fld id="{8477DB91-D4F4-47C0-BB7C-05B39326A595}" type="datetimeFigureOut">
               <a:rPr lang="de-CH" smtClean="0"/>
-              <a:t>09.06.2015</a:t>
+              <a:t>25.08.2016</a:t>
             </a:fld>
             <a:endParaRPr lang="de-CH"/>
           </a:p>
@@ -2031,7 +2031,7 @@
           <a:p>
             <a:fld id="{8477DB91-D4F4-47C0-BB7C-05B39326A595}" type="datetimeFigureOut">
               <a:rPr lang="de-CH" smtClean="0"/>
-              <a:t>09.06.2015</a:t>
+              <a:t>25.08.2016</a:t>
             </a:fld>
             <a:endParaRPr lang="de-CH"/>
           </a:p>
@@ -2319,7 +2319,7 @@
           <a:p>
             <a:fld id="{8477DB91-D4F4-47C0-BB7C-05B39326A595}" type="datetimeFigureOut">
               <a:rPr lang="de-CH" smtClean="0"/>
-              <a:t>09.06.2015</a:t>
+              <a:t>25.08.2016</a:t>
             </a:fld>
             <a:endParaRPr lang="de-CH"/>
           </a:p>
@@ -2741,7 +2741,7 @@
           <a:p>
             <a:fld id="{8477DB91-D4F4-47C0-BB7C-05B39326A595}" type="datetimeFigureOut">
               <a:rPr lang="de-CH" smtClean="0"/>
-              <a:t>09.06.2015</a:t>
+              <a:t>25.08.2016</a:t>
             </a:fld>
             <a:endParaRPr lang="de-CH"/>
           </a:p>
@@ -2859,7 +2859,7 @@
           <a:p>
             <a:fld id="{8477DB91-D4F4-47C0-BB7C-05B39326A595}" type="datetimeFigureOut">
               <a:rPr lang="de-CH" smtClean="0"/>
-              <a:t>09.06.2015</a:t>
+              <a:t>25.08.2016</a:t>
             </a:fld>
             <a:endParaRPr lang="de-CH"/>
           </a:p>
@@ -2954,7 +2954,7 @@
           <a:p>
             <a:fld id="{8477DB91-D4F4-47C0-BB7C-05B39326A595}" type="datetimeFigureOut">
               <a:rPr lang="de-CH" smtClean="0"/>
-              <a:t>09.06.2015</a:t>
+              <a:t>25.08.2016</a:t>
             </a:fld>
             <a:endParaRPr lang="de-CH"/>
           </a:p>
@@ -3231,7 +3231,7 @@
           <a:p>
             <a:fld id="{8477DB91-D4F4-47C0-BB7C-05B39326A595}" type="datetimeFigureOut">
               <a:rPr lang="de-CH" smtClean="0"/>
-              <a:t>09.06.2015</a:t>
+              <a:t>25.08.2016</a:t>
             </a:fld>
             <a:endParaRPr lang="de-CH"/>
           </a:p>
@@ -3484,7 +3484,7 @@
           <a:p>
             <a:fld id="{8477DB91-D4F4-47C0-BB7C-05B39326A595}" type="datetimeFigureOut">
               <a:rPr lang="de-CH" smtClean="0"/>
-              <a:t>09.06.2015</a:t>
+              <a:t>25.08.2016</a:t>
             </a:fld>
             <a:endParaRPr lang="de-CH"/>
           </a:p>
@@ -3697,7 +3697,7 @@
           <a:p>
             <a:fld id="{8477DB91-D4F4-47C0-BB7C-05B39326A595}" type="datetimeFigureOut">
               <a:rPr lang="de-CH" smtClean="0"/>
-              <a:t>09.06.2015</a:t>
+              <a:t>25.08.2016</a:t>
             </a:fld>
             <a:endParaRPr lang="de-CH"/>
           </a:p>
@@ -6275,7 +6275,11 @@
           <a:p>
             <a:r>
               <a:rPr lang="de-DE" dirty="0" smtClean="0"/>
-              <a:t>Scene Layer Package (SKP)</a:t>
+              <a:t>Scene Layer Package (</a:t>
+            </a:r>
+            <a:r>
+              <a:rPr lang="de-DE" dirty="0" smtClean="0"/>
+              <a:t>SPK)</a:t>
             </a:r>
             <a:endParaRPr lang="de-CH" dirty="0"/>
           </a:p>
@@ -6289,8 +6293,8 @@
         </p:nvSpPr>
         <p:spPr>
           <a:xfrm>
-            <a:off x="971600" y="1556792"/>
-            <a:ext cx="7344816" cy="4680520"/>
+            <a:off x="323528" y="1628800"/>
+            <a:ext cx="8496944" cy="4680520"/>
           </a:xfrm>
           <a:prstGeom prst="rect">
             <a:avLst/>
@@ -6319,8 +6323,8 @@
           <a:p>
             <a:pPr algn="ctr"/>
             <a:r>
-              <a:rPr lang="de-DE" b="1" dirty="0" err="1" smtClean="0"/>
-              <a:t>Archive.skp</a:t>
+              <a:rPr lang="de-DE" b="1" dirty="0" smtClean="0"/>
+              <a:t>Archive.spk</a:t>
             </a:r>
             <a:endParaRPr lang="de-CH" b="1" dirty="0"/>
           </a:p>
@@ -6334,8 +6338,8 @@
         </p:nvSpPr>
         <p:spPr>
           <a:xfrm>
-            <a:off x="1187624" y="1988840"/>
-            <a:ext cx="3384376" cy="432048"/>
+            <a:off x="539551" y="2060848"/>
+            <a:ext cx="3915259" cy="432048"/>
           </a:xfrm>
           <a:prstGeom prst="rect">
             <a:avLst/>
@@ -6378,8 +6382,8 @@
         </p:nvSpPr>
         <p:spPr>
           <a:xfrm>
-            <a:off x="1187624" y="2564904"/>
-            <a:ext cx="6912768" cy="3456384"/>
+            <a:off x="539551" y="2636912"/>
+            <a:ext cx="7997124" cy="3456384"/>
           </a:xfrm>
           <a:prstGeom prst="rect">
             <a:avLst/>
@@ -6436,8 +6440,8 @@
         </p:nvSpPr>
         <p:spPr>
           <a:xfrm>
-            <a:off x="1403648" y="3050088"/>
-            <a:ext cx="6480720" cy="1315016"/>
+            <a:off x="755575" y="3122096"/>
+            <a:ext cx="7497303" cy="954976"/>
           </a:xfrm>
           <a:prstGeom prst="rect">
             <a:avLst/>
@@ -6493,8 +6497,8 @@
         </p:nvSpPr>
         <p:spPr>
           <a:xfrm>
-            <a:off x="1475656" y="3501008"/>
-            <a:ext cx="6265432" cy="342908"/>
+            <a:off x="827583" y="3573016"/>
+            <a:ext cx="7248244" cy="342908"/>
           </a:xfrm>
           <a:prstGeom prst="rect">
             <a:avLst/>
@@ -6523,7 +6527,7 @@
             <a:pPr algn="ctr"/>
             <a:r>
               <a:rPr lang="de-DE" dirty="0" smtClean="0"/>
-              <a:t>3dNodeIndexDocument.json</a:t>
+              <a:t>3dNodeIndexDocument.json.gz</a:t>
             </a:r>
             <a:endParaRPr lang="de-CH" dirty="0"/>
           </a:p>
@@ -6531,14 +6535,14 @@
       </p:sp>
       <p:sp>
         <p:nvSpPr>
-          <p:cNvPr id="12" name="Rectangle 11"/>
+          <p:cNvPr id="23" name="Rectangle 22"/>
           <p:cNvSpPr/>
           <p:nvPr/>
         </p:nvSpPr>
         <p:spPr>
           <a:xfrm>
-            <a:off x="1475656" y="3933056"/>
-            <a:ext cx="1512904" cy="342908"/>
+            <a:off x="4076327" y="2060848"/>
+            <a:ext cx="3905559" cy="432048"/>
           </a:xfrm>
           <a:prstGeom prst="rect">
             <a:avLst/>
@@ -6567,183 +6571,7 @@
             <a:pPr algn="ctr"/>
             <a:r>
               <a:rPr lang="de-DE" dirty="0" smtClean="0"/>
-              <a:t>features/*</a:t>
-            </a:r>
-            <a:endParaRPr lang="de-CH" dirty="0"/>
-          </a:p>
-        </p:txBody>
-      </p:sp>
-      <p:sp>
-        <p:nvSpPr>
-          <p:cNvPr id="13" name="Rectangle 12"/>
-          <p:cNvSpPr/>
-          <p:nvPr/>
-        </p:nvSpPr>
-        <p:spPr>
-          <a:xfrm>
-            <a:off x="3066336" y="3933056"/>
-            <a:ext cx="1512168" cy="342908"/>
-          </a:xfrm>
-          <a:prstGeom prst="rect">
-            <a:avLst/>
-          </a:prstGeom>
-        </p:spPr>
-        <p:style>
-          <a:lnRef idx="2">
-            <a:schemeClr val="accent1">
-              <a:shade val="50000"/>
-            </a:schemeClr>
-          </a:lnRef>
-          <a:fillRef idx="1">
-            <a:schemeClr val="accent1"/>
-          </a:fillRef>
-          <a:effectRef idx="0">
-            <a:schemeClr val="accent1"/>
-          </a:effectRef>
-          <a:fontRef idx="minor">
-            <a:schemeClr val="lt1"/>
-          </a:fontRef>
-        </p:style>
-        <p:txBody>
-          <a:bodyPr rtlCol="0" anchor="ctr"/>
-          <a:lstStyle/>
-          <a:p>
-            <a:pPr algn="ctr"/>
-            <a:r>
-              <a:rPr lang="de-DE" dirty="0" smtClean="0"/>
-              <a:t>geometries/*</a:t>
-            </a:r>
-            <a:endParaRPr lang="de-CH" dirty="0"/>
-          </a:p>
-        </p:txBody>
-      </p:sp>
-      <p:sp>
-        <p:nvSpPr>
-          <p:cNvPr id="14" name="Rectangle 13"/>
-          <p:cNvSpPr/>
-          <p:nvPr/>
-        </p:nvSpPr>
-        <p:spPr>
-          <a:xfrm>
-            <a:off x="4652392" y="3933056"/>
-            <a:ext cx="1512904" cy="342908"/>
-          </a:xfrm>
-          <a:prstGeom prst="rect">
-            <a:avLst/>
-          </a:prstGeom>
-        </p:spPr>
-        <p:style>
-          <a:lnRef idx="2">
-            <a:schemeClr val="accent1">
-              <a:shade val="50000"/>
-            </a:schemeClr>
-          </a:lnRef>
-          <a:fillRef idx="1">
-            <a:schemeClr val="accent1"/>
-          </a:fillRef>
-          <a:effectRef idx="0">
-            <a:schemeClr val="accent1"/>
-          </a:effectRef>
-          <a:fontRef idx="minor">
-            <a:schemeClr val="lt1"/>
-          </a:fontRef>
-        </p:style>
-        <p:txBody>
-          <a:bodyPr rtlCol="0" anchor="ctr"/>
-          <a:lstStyle/>
-          <a:p>
-            <a:pPr algn="ctr"/>
-            <a:r>
-              <a:rPr lang="de-DE" dirty="0" smtClean="0"/>
-              <a:t>textures/*</a:t>
-            </a:r>
-            <a:endParaRPr lang="de-CH" dirty="0"/>
-          </a:p>
-        </p:txBody>
-      </p:sp>
-      <p:sp>
-        <p:nvSpPr>
-          <p:cNvPr id="23" name="Rectangle 22"/>
-          <p:cNvSpPr/>
-          <p:nvPr/>
-        </p:nvSpPr>
-        <p:spPr>
-          <a:xfrm>
-            <a:off x="4724400" y="1988840"/>
-            <a:ext cx="3375992" cy="432048"/>
-          </a:xfrm>
-          <a:prstGeom prst="rect">
-            <a:avLst/>
-          </a:prstGeom>
-        </p:spPr>
-        <p:style>
-          <a:lnRef idx="2">
-            <a:schemeClr val="accent1">
-              <a:shade val="50000"/>
-            </a:schemeClr>
-          </a:lnRef>
-          <a:fillRef idx="1">
-            <a:schemeClr val="accent1"/>
-          </a:fillRef>
-          <a:effectRef idx="0">
-            <a:schemeClr val="accent1"/>
-          </a:effectRef>
-          <a:fontRef idx="minor">
-            <a:schemeClr val="lt1"/>
-          </a:fontRef>
-        </p:style>
-        <p:txBody>
-          <a:bodyPr rtlCol="0" anchor="ctr"/>
-          <a:lstStyle/>
-          <a:p>
-            <a:pPr algn="ctr"/>
-            <a:r>
-              <a:rPr lang="de-DE" dirty="0" smtClean="0"/>
-              <a:t>3dScenelayer.json</a:t>
-            </a:r>
-            <a:endParaRPr lang="de-CH" dirty="0"/>
-          </a:p>
-        </p:txBody>
-      </p:sp>
-      <p:sp>
-        <p:nvSpPr>
-          <p:cNvPr id="24" name="Rectangle 23"/>
-          <p:cNvSpPr/>
-          <p:nvPr/>
-        </p:nvSpPr>
-        <p:spPr>
-          <a:xfrm>
-            <a:off x="6228184" y="3933056"/>
-            <a:ext cx="1512904" cy="342908"/>
-          </a:xfrm>
-          <a:prstGeom prst="rect">
-            <a:avLst/>
-          </a:prstGeom>
-        </p:spPr>
-        <p:style>
-          <a:lnRef idx="2">
-            <a:schemeClr val="accent1">
-              <a:shade val="50000"/>
-            </a:schemeClr>
-          </a:lnRef>
-          <a:fillRef idx="1">
-            <a:schemeClr val="accent1"/>
-          </a:fillRef>
-          <a:effectRef idx="0">
-            <a:schemeClr val="accent1"/>
-          </a:effectRef>
-          <a:fontRef idx="minor">
-            <a:schemeClr val="lt1"/>
-          </a:fontRef>
-        </p:style>
-        <p:txBody>
-          <a:bodyPr rtlCol="0" anchor="ctr"/>
-          <a:lstStyle/>
-          <a:p>
-            <a:pPr algn="ctr"/>
-            <a:r>
-              <a:rPr lang="de-DE" dirty="0" smtClean="0"/>
-              <a:t>shared/*</a:t>
+              <a:t>3dScenelayer.json.gz</a:t>
             </a:r>
             <a:endParaRPr lang="de-CH" dirty="0"/>
           </a:p>
@@ -6757,8 +6585,8 @@
         </p:nvSpPr>
         <p:spPr>
           <a:xfrm>
-            <a:off x="1403648" y="4473116"/>
-            <a:ext cx="6480720" cy="1315016"/>
+            <a:off x="755575" y="4293096"/>
+            <a:ext cx="7497303" cy="1567044"/>
           </a:xfrm>
           <a:prstGeom prst="rect">
             <a:avLst/>
@@ -6800,7 +6628,15 @@
             <a:pPr algn="ctr"/>
             <a:r>
               <a:rPr lang="de-DE" dirty="0" smtClean="0"/>
-              <a:t>/nodes/1-4-2-0/</a:t>
+              <a:t>/</a:t>
+            </a:r>
+            <a:r>
+              <a:rPr lang="de-DE" dirty="0" smtClean="0"/>
+              <a:t>nodes/1-4-2-0</a:t>
+            </a:r>
+            <a:r>
+              <a:rPr lang="de-DE" dirty="0" smtClean="0"/>
+              <a:t>/</a:t>
             </a:r>
             <a:endParaRPr lang="de-CH" dirty="0"/>
           </a:p>
@@ -6814,8 +6650,8 @@
         </p:nvSpPr>
         <p:spPr>
           <a:xfrm>
-            <a:off x="1475656" y="4924036"/>
-            <a:ext cx="6265432" cy="342908"/>
+            <a:off x="832561" y="4708012"/>
+            <a:ext cx="7248244" cy="342908"/>
           </a:xfrm>
           <a:prstGeom prst="rect">
             <a:avLst/>
@@ -6852,14 +6688,14 @@
       </p:sp>
       <p:sp>
         <p:nvSpPr>
-          <p:cNvPr id="27" name="Rectangle 26"/>
+          <p:cNvPr id="28" name="Rectangle 27"/>
           <p:cNvSpPr/>
           <p:nvPr/>
         </p:nvSpPr>
         <p:spPr>
           <a:xfrm>
-            <a:off x="1475656" y="5356084"/>
-            <a:ext cx="1512904" cy="342908"/>
+            <a:off x="827584" y="5369687"/>
+            <a:ext cx="1371600" cy="338554"/>
           </a:xfrm>
           <a:prstGeom prst="rect">
             <a:avLst/>
@@ -6882,28 +6718,30 @@
           </a:fontRef>
         </p:style>
         <p:txBody>
-          <a:bodyPr rtlCol="0" anchor="ctr"/>
+          <a:bodyPr lIns="0" rtlCol="0" anchor="ctr">
+            <a:noAutofit/>
+          </a:bodyPr>
           <a:lstStyle/>
           <a:p>
             <a:pPr algn="ctr"/>
             <a:r>
-              <a:rPr lang="de-DE" dirty="0" smtClean="0"/>
-              <a:t>features/*</a:t>
-            </a:r>
-            <a:endParaRPr lang="de-CH" dirty="0"/>
-          </a:p>
-        </p:txBody>
-      </p:sp>
-      <p:sp>
-        <p:nvSpPr>
-          <p:cNvPr id="28" name="Rectangle 27"/>
+              <a:rPr lang="de-DE" sz="1600" dirty="0" smtClean="0"/>
+              <a:t>geometries/*</a:t>
+            </a:r>
+            <a:endParaRPr lang="de-CH" sz="1600" dirty="0"/>
+          </a:p>
+        </p:txBody>
+      </p:sp>
+      <p:sp>
+        <p:nvSpPr>
+          <p:cNvPr id="29" name="Rectangle 28"/>
           <p:cNvSpPr/>
           <p:nvPr/>
         </p:nvSpPr>
         <p:spPr>
           <a:xfrm>
-            <a:off x="3066336" y="5356084"/>
-            <a:ext cx="1512168" cy="342908"/>
+            <a:off x="2339752" y="5361919"/>
+            <a:ext cx="1371600" cy="338554"/>
           </a:xfrm>
           <a:prstGeom prst="rect">
             <a:avLst/>
@@ -6926,28 +6764,30 @@
           </a:fontRef>
         </p:style>
         <p:txBody>
-          <a:bodyPr rtlCol="0" anchor="ctr"/>
+          <a:bodyPr lIns="0" rtlCol="0" anchor="ctr">
+            <a:noAutofit/>
+          </a:bodyPr>
           <a:lstStyle/>
           <a:p>
             <a:pPr algn="ctr"/>
             <a:r>
-              <a:rPr lang="de-DE" dirty="0" smtClean="0"/>
-              <a:t>geometries/*</a:t>
-            </a:r>
-            <a:endParaRPr lang="de-CH" dirty="0"/>
-          </a:p>
-        </p:txBody>
-      </p:sp>
-      <p:sp>
-        <p:nvSpPr>
-          <p:cNvPr id="29" name="Rectangle 28"/>
+              <a:rPr lang="de-DE" sz="1600" dirty="0" smtClean="0"/>
+              <a:t>textures/*</a:t>
+            </a:r>
+            <a:endParaRPr lang="de-CH" sz="1600" dirty="0"/>
+          </a:p>
+        </p:txBody>
+      </p:sp>
+      <p:sp>
+        <p:nvSpPr>
+          <p:cNvPr id="30" name="Rectangle 29"/>
           <p:cNvSpPr/>
           <p:nvPr/>
         </p:nvSpPr>
         <p:spPr>
           <a:xfrm>
-            <a:off x="4652392" y="5356084"/>
-            <a:ext cx="1512904" cy="342908"/>
+            <a:off x="3779912" y="5360224"/>
+            <a:ext cx="1371600" cy="338554"/>
           </a:xfrm>
           <a:prstGeom prst="rect">
             <a:avLst/>
@@ -6970,28 +6810,30 @@
           </a:fontRef>
         </p:style>
         <p:txBody>
-          <a:bodyPr rtlCol="0" anchor="ctr"/>
+          <a:bodyPr lIns="0" rtlCol="0" anchor="ctr">
+            <a:noAutofit/>
+          </a:bodyPr>
           <a:lstStyle/>
           <a:p>
             <a:pPr algn="ctr"/>
             <a:r>
-              <a:rPr lang="de-DE" dirty="0" smtClean="0"/>
-              <a:t>textures/*</a:t>
-            </a:r>
-            <a:endParaRPr lang="de-CH" dirty="0"/>
-          </a:p>
-        </p:txBody>
-      </p:sp>
-      <p:sp>
-        <p:nvSpPr>
-          <p:cNvPr id="30" name="Rectangle 29"/>
+              <a:rPr lang="de-DE" sz="1600" dirty="0" smtClean="0"/>
+              <a:t>shared/*</a:t>
+            </a:r>
+            <a:endParaRPr lang="de-CH" sz="1600" dirty="0"/>
+          </a:p>
+        </p:txBody>
+      </p:sp>
+      <p:sp>
+        <p:nvSpPr>
+          <p:cNvPr id="19" name="Rectangle 18"/>
           <p:cNvSpPr/>
           <p:nvPr/>
         </p:nvSpPr>
         <p:spPr>
           <a:xfrm>
-            <a:off x="6228184" y="5356084"/>
-            <a:ext cx="1512904" cy="342908"/>
+            <a:off x="5288632" y="5369687"/>
+            <a:ext cx="1371600" cy="338554"/>
           </a:xfrm>
           <a:prstGeom prst="rect">
             <a:avLst/>
@@ -7014,13 +6856,61 @@
           </a:fontRef>
         </p:style>
         <p:txBody>
-          <a:bodyPr rtlCol="0" anchor="ctr"/>
+          <a:bodyPr lIns="0" rtlCol="0" anchor="ctr">
+            <a:noAutofit/>
+          </a:bodyPr>
           <a:lstStyle/>
           <a:p>
             <a:pPr algn="ctr"/>
             <a:r>
+              <a:rPr lang="de-DE" sz="1600" dirty="0" smtClean="0"/>
+              <a:t>features/*</a:t>
+            </a:r>
+            <a:endParaRPr lang="de-CH" sz="1600" dirty="0"/>
+          </a:p>
+        </p:txBody>
+      </p:sp>
+      <p:sp>
+        <p:nvSpPr>
+          <p:cNvPr id="22" name="Rectangle 21"/>
+          <p:cNvSpPr/>
+          <p:nvPr/>
+        </p:nvSpPr>
+        <p:spPr>
+          <a:xfrm>
+            <a:off x="6732240" y="5373216"/>
+            <a:ext cx="1371600" cy="365760"/>
+          </a:xfrm>
+          <a:prstGeom prst="rect">
+            <a:avLst/>
+          </a:prstGeom>
+        </p:spPr>
+        <p:style>
+          <a:lnRef idx="2">
+            <a:schemeClr val="accent1">
+              <a:shade val="50000"/>
+            </a:schemeClr>
+          </a:lnRef>
+          <a:fillRef idx="1">
+            <a:schemeClr val="accent1"/>
+          </a:fillRef>
+          <a:effectRef idx="0">
+            <a:schemeClr val="accent1"/>
+          </a:effectRef>
+          <a:fontRef idx="minor">
+            <a:schemeClr val="lt1"/>
+          </a:fontRef>
+        </p:style>
+        <p:txBody>
+          <a:bodyPr lIns="0" rtlCol="0" anchor="ctr">
+            <a:noAutofit/>
+          </a:bodyPr>
+          <a:lstStyle/>
+          <a:p>
+            <a:pPr algn="ctr"/>
+            <a:r>
               <a:rPr lang="de-DE" dirty="0" smtClean="0"/>
-              <a:t>shared/*</a:t>
+              <a:t>attributes/*</a:t>
             </a:r>
             <a:endParaRPr lang="de-CH" dirty="0"/>
           </a:p>

--- a/format/uml/SpecificationFigures.pptx
+++ b/format/uml/SpecificationFigures.pptx
@@ -212,7 +212,7 @@
           <a:p>
             <a:fld id="{DBD45C97-1077-4622-A936-229BE89647D5}" type="datetimeFigureOut">
               <a:rPr lang="de-CH" smtClean="0"/>
-              <a:t>14.09.2016</a:t>
+              <a:t>30.09.2016</a:t>
             </a:fld>
             <a:endParaRPr lang="de-CH"/>
           </a:p>
@@ -661,7 +661,7 @@
           <a:p>
             <a:fld id="{8477DB91-D4F4-47C0-BB7C-05B39326A595}" type="datetimeFigureOut">
               <a:rPr lang="de-CH" smtClean="0"/>
-              <a:t>14.09.2016</a:t>
+              <a:t>30.09.2016</a:t>
             </a:fld>
             <a:endParaRPr lang="de-CH"/>
           </a:p>
@@ -831,7 +831,7 @@
           <a:p>
             <a:fld id="{8477DB91-D4F4-47C0-BB7C-05B39326A595}" type="datetimeFigureOut">
               <a:rPr lang="de-CH" smtClean="0"/>
-              <a:t>14.09.2016</a:t>
+              <a:t>30.09.2016</a:t>
             </a:fld>
             <a:endParaRPr lang="de-CH"/>
           </a:p>
@@ -1011,7 +1011,7 @@
           <a:p>
             <a:fld id="{8477DB91-D4F4-47C0-BB7C-05B39326A595}" type="datetimeFigureOut">
               <a:rPr lang="de-CH" smtClean="0"/>
-              <a:t>14.09.2016</a:t>
+              <a:t>30.09.2016</a:t>
             </a:fld>
             <a:endParaRPr lang="de-CH"/>
           </a:p>
@@ -1210,7 +1210,7 @@
                 </a:solidFill>
               </a:rPr>
               <a:pPr/>
-              <a:t>9/14/2016</a:t>
+              <a:t>9/30/2016</a:t>
             </a:fld>
             <a:endParaRPr lang="en-US">
               <a:solidFill>
@@ -1412,7 +1412,7 @@
                 </a:solidFill>
               </a:rPr>
               <a:pPr/>
-              <a:t>9/14/2016</a:t>
+              <a:t>9/30/2016</a:t>
             </a:fld>
             <a:endParaRPr lang="en-US">
               <a:solidFill>
@@ -1690,7 +1690,7 @@
                 </a:solidFill>
               </a:rPr>
               <a:pPr/>
-              <a:t>9/14/2016</a:t>
+              <a:t>9/30/2016</a:t>
             </a:fld>
             <a:endParaRPr lang="en-US">
               <a:solidFill>
@@ -1954,7 +1954,7 @@
                 </a:solidFill>
               </a:rPr>
               <a:pPr/>
-              <a:t>9/14/2016</a:t>
+              <a:t>9/30/2016</a:t>
             </a:fld>
             <a:endParaRPr lang="en-US">
               <a:solidFill>
@@ -2353,7 +2353,7 @@
                 </a:solidFill>
               </a:rPr>
               <a:pPr/>
-              <a:t>9/14/2016</a:t>
+              <a:t>9/30/2016</a:t>
             </a:fld>
             <a:endParaRPr lang="en-US">
               <a:solidFill>
@@ -2503,7 +2503,7 @@
                 </a:solidFill>
               </a:rPr>
               <a:pPr/>
-              <a:t>9/14/2016</a:t>
+              <a:t>9/30/2016</a:t>
             </a:fld>
             <a:endParaRPr lang="en-US">
               <a:solidFill>
@@ -2630,7 +2630,7 @@
                 </a:solidFill>
               </a:rPr>
               <a:pPr/>
-              <a:t>9/14/2016</a:t>
+              <a:t>9/30/2016</a:t>
             </a:fld>
             <a:endParaRPr lang="en-US">
               <a:solidFill>
@@ -2939,7 +2939,7 @@
                 </a:solidFill>
               </a:rPr>
               <a:pPr/>
-              <a:t>9/14/2016</a:t>
+              <a:t>9/30/2016</a:t>
             </a:fld>
             <a:endParaRPr lang="en-US">
               <a:solidFill>
@@ -3134,7 +3134,7 @@
           <a:p>
             <a:fld id="{8477DB91-D4F4-47C0-BB7C-05B39326A595}" type="datetimeFigureOut">
               <a:rPr lang="de-CH" smtClean="0"/>
-              <a:t>14.09.2016</a:t>
+              <a:t>30.09.2016</a:t>
             </a:fld>
             <a:endParaRPr lang="de-CH"/>
           </a:p>
@@ -3394,7 +3394,7 @@
                 </a:solidFill>
               </a:rPr>
               <a:pPr/>
-              <a:t>9/14/2016</a:t>
+              <a:t>9/30/2016</a:t>
             </a:fld>
             <a:endParaRPr lang="en-US">
               <a:solidFill>
@@ -3596,7 +3596,7 @@
                 </a:solidFill>
               </a:rPr>
               <a:pPr/>
-              <a:t>9/14/2016</a:t>
+              <a:t>9/30/2016</a:t>
             </a:fld>
             <a:endParaRPr lang="en-US">
               <a:solidFill>
@@ -3808,7 +3808,7 @@
                 </a:solidFill>
               </a:rPr>
               <a:pPr/>
-              <a:t>9/14/2016</a:t>
+              <a:t>9/30/2016</a:t>
             </a:fld>
             <a:endParaRPr lang="en-US">
               <a:solidFill>
@@ -4079,7 +4079,7 @@
           <a:p>
             <a:fld id="{8477DB91-D4F4-47C0-BB7C-05B39326A595}" type="datetimeFigureOut">
               <a:rPr lang="de-CH" smtClean="0"/>
-              <a:t>14.09.2016</a:t>
+              <a:t>30.09.2016</a:t>
             </a:fld>
             <a:endParaRPr lang="de-CH"/>
           </a:p>
@@ -4367,7 +4367,7 @@
           <a:p>
             <a:fld id="{8477DB91-D4F4-47C0-BB7C-05B39326A595}" type="datetimeFigureOut">
               <a:rPr lang="de-CH" smtClean="0"/>
-              <a:t>14.09.2016</a:t>
+              <a:t>30.09.2016</a:t>
             </a:fld>
             <a:endParaRPr lang="de-CH"/>
           </a:p>
@@ -4789,7 +4789,7 @@
           <a:p>
             <a:fld id="{8477DB91-D4F4-47C0-BB7C-05B39326A595}" type="datetimeFigureOut">
               <a:rPr lang="de-CH" smtClean="0"/>
-              <a:t>14.09.2016</a:t>
+              <a:t>30.09.2016</a:t>
             </a:fld>
             <a:endParaRPr lang="de-CH"/>
           </a:p>
@@ -4907,7 +4907,7 @@
           <a:p>
             <a:fld id="{8477DB91-D4F4-47C0-BB7C-05B39326A595}" type="datetimeFigureOut">
               <a:rPr lang="de-CH" smtClean="0"/>
-              <a:t>14.09.2016</a:t>
+              <a:t>30.09.2016</a:t>
             </a:fld>
             <a:endParaRPr lang="de-CH"/>
           </a:p>
@@ -5002,7 +5002,7 @@
           <a:p>
             <a:fld id="{8477DB91-D4F4-47C0-BB7C-05B39326A595}" type="datetimeFigureOut">
               <a:rPr lang="de-CH" smtClean="0"/>
-              <a:t>14.09.2016</a:t>
+              <a:t>30.09.2016</a:t>
             </a:fld>
             <a:endParaRPr lang="de-CH"/>
           </a:p>
@@ -5279,7 +5279,7 @@
           <a:p>
             <a:fld id="{8477DB91-D4F4-47C0-BB7C-05B39326A595}" type="datetimeFigureOut">
               <a:rPr lang="de-CH" smtClean="0"/>
-              <a:t>14.09.2016</a:t>
+              <a:t>30.09.2016</a:t>
             </a:fld>
             <a:endParaRPr lang="de-CH"/>
           </a:p>
@@ -5532,7 +5532,7 @@
           <a:p>
             <a:fld id="{8477DB91-D4F4-47C0-BB7C-05B39326A595}" type="datetimeFigureOut">
               <a:rPr lang="de-CH" smtClean="0"/>
-              <a:t>14.09.2016</a:t>
+              <a:t>30.09.2016</a:t>
             </a:fld>
             <a:endParaRPr lang="de-CH"/>
           </a:p>
@@ -5745,7 +5745,7 @@
           <a:p>
             <a:fld id="{8477DB91-D4F4-47C0-BB7C-05B39326A595}" type="datetimeFigureOut">
               <a:rPr lang="de-CH" smtClean="0"/>
-              <a:t>14.09.2016</a:t>
+              <a:t>30.09.2016</a:t>
             </a:fld>
             <a:endParaRPr lang="de-CH"/>
           </a:p>
@@ -6262,7 +6262,7 @@
                 </a:solidFill>
               </a:rPr>
               <a:pPr/>
-              <a:t>9/14/2016</a:t>
+              <a:t>9/30/2016</a:t>
             </a:fld>
             <a:endParaRPr lang="en-US">
               <a:solidFill>
@@ -10461,11 +10461,6 @@
                 </a:rPr>
                 <a:t>g2</a:t>
               </a:r>
-              <a:endParaRPr lang="de-CH" sz="1050" dirty="0">
-                <a:solidFill>
-                  <a:prstClr val="white"/>
-                </a:solidFill>
-              </a:endParaRPr>
             </a:p>
           </p:txBody>
         </p:sp>
@@ -10512,15 +10507,7 @@
                     <a:prstClr val="black"/>
                   </a:solidFill>
                 </a:rPr>
-                <a:t>Feature 6 is not </a:t>
-              </a:r>
-              <a:r>
-                <a:rPr lang="de-DE" sz="825" dirty="0">
-                  <a:solidFill>
-                    <a:prstClr val="black"/>
-                  </a:solidFill>
-                </a:rPr>
-                <a:t>included at this level of detail</a:t>
+                <a:t>Feature 6 is not included at this level of detail</a:t>
               </a:r>
               <a:endParaRPr lang="de-CH" sz="825" dirty="0">
                 <a:solidFill>
@@ -11473,15 +11460,7 @@
                     <a:prstClr val="white"/>
                   </a:solidFill>
                 </a:rPr>
-                <a:t>         /</a:t>
-              </a:r>
-              <a:r>
-                <a:rPr lang="de-DE" sz="1350" dirty="0">
-                  <a:solidFill>
-                    <a:prstClr val="white"/>
-                  </a:solidFill>
-                </a:rPr>
-                <a:t>nodes/1-4-2-0/</a:t>
+                <a:t>         /nodes/1-4-2-0/</a:t>
               </a:r>
               <a:endParaRPr lang="de-CH" sz="1350" dirty="0">
                 <a:solidFill>
@@ -11711,15 +11690,7 @@
                     <a:prstClr val="white"/>
                   </a:solidFill>
                 </a:rPr>
-                <a:t>geometries/ </a:t>
-              </a:r>
-              <a:r>
-                <a:rPr lang="de-DE" sz="1350" dirty="0">
-                  <a:solidFill>
-                    <a:prstClr val="white"/>
-                  </a:solidFill>
-                </a:rPr>
-                <a:t>0.bin.gz</a:t>
+                <a:t>geometries/ 0.bin.gz</a:t>
               </a:r>
               <a:endParaRPr lang="de-CH" sz="1350" dirty="0">
                 <a:solidFill>
@@ -11826,23 +11797,28 @@
                 <a:t>textures/ </a:t>
               </a:r>
               <a:r>
-                <a:rPr lang="de-DE" sz="1350" dirty="0">
+                <a:rPr lang="de-DE" sz="1350" dirty="0" smtClean="0">
                   <a:solidFill>
                     <a:prstClr val="white"/>
                   </a:solidFill>
                 </a:rPr>
-                <a:t>0_0.bin,</a:t>
+                <a:t>0_0.jpeg,</a:t>
               </a:r>
+              <a:endParaRPr lang="de-DE" sz="1350" dirty="0">
+                <a:solidFill>
+                  <a:prstClr val="white"/>
+                </a:solidFill>
+              </a:endParaRPr>
             </a:p>
             <a:p>
               <a:pPr algn="ctr"/>
               <a:r>
-                <a:rPr lang="de-CH" sz="1350" dirty="0">
+                <a:rPr lang="de-CH" sz="1350" dirty="0" smtClean="0">
                   <a:solidFill>
                     <a:prstClr val="white"/>
                   </a:solidFill>
                 </a:rPr>
-                <a:t>0_0_1.bin.gz</a:t>
+                <a:t>0_0_1.dds.gz</a:t>
               </a:r>
               <a:endParaRPr lang="de-CH" sz="1350" dirty="0">
                 <a:solidFill>

--- a/format/uml/SpecificationFigures.pptx
+++ b/format/uml/SpecificationFigures.pptx
@@ -11802,7 +11802,7 @@
                     <a:prstClr val="white"/>
                   </a:solidFill>
                 </a:rPr>
-                <a:t>0_0.jpeg,</a:t>
+                <a:t>0_0.jpg,</a:t>
               </a:r>
               <a:endParaRPr lang="de-DE" sz="1350" dirty="0">
                 <a:solidFill>

--- a/format/uml/SpecificationFigures.pptx
+++ b/format/uml/SpecificationFigures.pptx
@@ -11530,8 +11530,8 @@
           </p:nvSpPr>
           <p:spPr>
             <a:xfrm>
-              <a:off x="6486853" y="5034398"/>
-              <a:ext cx="1675165" cy="926182"/>
+              <a:off x="6358006" y="5034398"/>
+              <a:ext cx="1804012" cy="926181"/>
             </a:xfrm>
             <a:prstGeom prst="rect">
               <a:avLst/>
@@ -11708,8 +11708,8 @@
           </p:nvSpPr>
           <p:spPr>
             <a:xfrm>
-              <a:off x="4754192" y="5041718"/>
-              <a:ext cx="1654857" cy="927017"/>
+              <a:off x="4754193" y="5041718"/>
+              <a:ext cx="1433403" cy="927017"/>
             </a:xfrm>
             <a:prstGeom prst="rect">
               <a:avLst/>

--- a/format/uml/SpecificationFigures.pptx
+++ b/format/uml/SpecificationFigures.pptx
@@ -212,7 +212,7 @@
           <a:p>
             <a:fld id="{DBD45C97-1077-4622-A936-229BE89647D5}" type="datetimeFigureOut">
               <a:rPr lang="de-CH" smtClean="0"/>
-              <a:t>30.09.2016</a:t>
+              <a:t>20.10.2016</a:t>
             </a:fld>
             <a:endParaRPr lang="de-CH"/>
           </a:p>
@@ -661,7 +661,7 @@
           <a:p>
             <a:fld id="{8477DB91-D4F4-47C0-BB7C-05B39326A595}" type="datetimeFigureOut">
               <a:rPr lang="de-CH" smtClean="0"/>
-              <a:t>30.09.2016</a:t>
+              <a:t>20.10.2016</a:t>
             </a:fld>
             <a:endParaRPr lang="de-CH"/>
           </a:p>
@@ -831,7 +831,7 @@
           <a:p>
             <a:fld id="{8477DB91-D4F4-47C0-BB7C-05B39326A595}" type="datetimeFigureOut">
               <a:rPr lang="de-CH" smtClean="0"/>
-              <a:t>30.09.2016</a:t>
+              <a:t>20.10.2016</a:t>
             </a:fld>
             <a:endParaRPr lang="de-CH"/>
           </a:p>
@@ -1011,7 +1011,7 @@
           <a:p>
             <a:fld id="{8477DB91-D4F4-47C0-BB7C-05B39326A595}" type="datetimeFigureOut">
               <a:rPr lang="de-CH" smtClean="0"/>
-              <a:t>30.09.2016</a:t>
+              <a:t>20.10.2016</a:t>
             </a:fld>
             <a:endParaRPr lang="de-CH"/>
           </a:p>
@@ -1210,7 +1210,7 @@
                 </a:solidFill>
               </a:rPr>
               <a:pPr/>
-              <a:t>9/30/2016</a:t>
+              <a:t>10/20/2016</a:t>
             </a:fld>
             <a:endParaRPr lang="en-US">
               <a:solidFill>
@@ -1412,7 +1412,7 @@
                 </a:solidFill>
               </a:rPr>
               <a:pPr/>
-              <a:t>9/30/2016</a:t>
+              <a:t>10/20/2016</a:t>
             </a:fld>
             <a:endParaRPr lang="en-US">
               <a:solidFill>
@@ -1690,7 +1690,7 @@
                 </a:solidFill>
               </a:rPr>
               <a:pPr/>
-              <a:t>9/30/2016</a:t>
+              <a:t>10/20/2016</a:t>
             </a:fld>
             <a:endParaRPr lang="en-US">
               <a:solidFill>
@@ -1954,7 +1954,7 @@
                 </a:solidFill>
               </a:rPr>
               <a:pPr/>
-              <a:t>9/30/2016</a:t>
+              <a:t>10/20/2016</a:t>
             </a:fld>
             <a:endParaRPr lang="en-US">
               <a:solidFill>
@@ -2353,7 +2353,7 @@
                 </a:solidFill>
               </a:rPr>
               <a:pPr/>
-              <a:t>9/30/2016</a:t>
+              <a:t>10/20/2016</a:t>
             </a:fld>
             <a:endParaRPr lang="en-US">
               <a:solidFill>
@@ -2503,7 +2503,7 @@
                 </a:solidFill>
               </a:rPr>
               <a:pPr/>
-              <a:t>9/30/2016</a:t>
+              <a:t>10/20/2016</a:t>
             </a:fld>
             <a:endParaRPr lang="en-US">
               <a:solidFill>
@@ -2630,7 +2630,7 @@
                 </a:solidFill>
               </a:rPr>
               <a:pPr/>
-              <a:t>9/30/2016</a:t>
+              <a:t>10/20/2016</a:t>
             </a:fld>
             <a:endParaRPr lang="en-US">
               <a:solidFill>
@@ -2939,7 +2939,7 @@
                 </a:solidFill>
               </a:rPr>
               <a:pPr/>
-              <a:t>9/30/2016</a:t>
+              <a:t>10/20/2016</a:t>
             </a:fld>
             <a:endParaRPr lang="en-US">
               <a:solidFill>
@@ -3134,7 +3134,7 @@
           <a:p>
             <a:fld id="{8477DB91-D4F4-47C0-BB7C-05B39326A595}" type="datetimeFigureOut">
               <a:rPr lang="de-CH" smtClean="0"/>
-              <a:t>30.09.2016</a:t>
+              <a:t>20.10.2016</a:t>
             </a:fld>
             <a:endParaRPr lang="de-CH"/>
           </a:p>
@@ -3394,7 +3394,7 @@
                 </a:solidFill>
               </a:rPr>
               <a:pPr/>
-              <a:t>9/30/2016</a:t>
+              <a:t>10/20/2016</a:t>
             </a:fld>
             <a:endParaRPr lang="en-US">
               <a:solidFill>
@@ -3596,7 +3596,7 @@
                 </a:solidFill>
               </a:rPr>
               <a:pPr/>
-              <a:t>9/30/2016</a:t>
+              <a:t>10/20/2016</a:t>
             </a:fld>
             <a:endParaRPr lang="en-US">
               <a:solidFill>
@@ -3808,7 +3808,7 @@
                 </a:solidFill>
               </a:rPr>
               <a:pPr/>
-              <a:t>9/30/2016</a:t>
+              <a:t>10/20/2016</a:t>
             </a:fld>
             <a:endParaRPr lang="en-US">
               <a:solidFill>
@@ -4079,7 +4079,7 @@
           <a:p>
             <a:fld id="{8477DB91-D4F4-47C0-BB7C-05B39326A595}" type="datetimeFigureOut">
               <a:rPr lang="de-CH" smtClean="0"/>
-              <a:t>30.09.2016</a:t>
+              <a:t>20.10.2016</a:t>
             </a:fld>
             <a:endParaRPr lang="de-CH"/>
           </a:p>
@@ -4367,7 +4367,7 @@
           <a:p>
             <a:fld id="{8477DB91-D4F4-47C0-BB7C-05B39326A595}" type="datetimeFigureOut">
               <a:rPr lang="de-CH" smtClean="0"/>
-              <a:t>30.09.2016</a:t>
+              <a:t>20.10.2016</a:t>
             </a:fld>
             <a:endParaRPr lang="de-CH"/>
           </a:p>
@@ -4789,7 +4789,7 @@
           <a:p>
             <a:fld id="{8477DB91-D4F4-47C0-BB7C-05B39326A595}" type="datetimeFigureOut">
               <a:rPr lang="de-CH" smtClean="0"/>
-              <a:t>30.09.2016</a:t>
+              <a:t>20.10.2016</a:t>
             </a:fld>
             <a:endParaRPr lang="de-CH"/>
           </a:p>
@@ -4907,7 +4907,7 @@
           <a:p>
             <a:fld id="{8477DB91-D4F4-47C0-BB7C-05B39326A595}" type="datetimeFigureOut">
               <a:rPr lang="de-CH" smtClean="0"/>
-              <a:t>30.09.2016</a:t>
+              <a:t>20.10.2016</a:t>
             </a:fld>
             <a:endParaRPr lang="de-CH"/>
           </a:p>
@@ -5002,7 +5002,7 @@
           <a:p>
             <a:fld id="{8477DB91-D4F4-47C0-BB7C-05B39326A595}" type="datetimeFigureOut">
               <a:rPr lang="de-CH" smtClean="0"/>
-              <a:t>30.09.2016</a:t>
+              <a:t>20.10.2016</a:t>
             </a:fld>
             <a:endParaRPr lang="de-CH"/>
           </a:p>
@@ -5279,7 +5279,7 @@
           <a:p>
             <a:fld id="{8477DB91-D4F4-47C0-BB7C-05B39326A595}" type="datetimeFigureOut">
               <a:rPr lang="de-CH" smtClean="0"/>
-              <a:t>30.09.2016</a:t>
+              <a:t>20.10.2016</a:t>
             </a:fld>
             <a:endParaRPr lang="de-CH"/>
           </a:p>
@@ -5532,7 +5532,7 @@
           <a:p>
             <a:fld id="{8477DB91-D4F4-47C0-BB7C-05B39326A595}" type="datetimeFigureOut">
               <a:rPr lang="de-CH" smtClean="0"/>
-              <a:t>30.09.2016</a:t>
+              <a:t>20.10.2016</a:t>
             </a:fld>
             <a:endParaRPr lang="de-CH"/>
           </a:p>
@@ -5745,7 +5745,7 @@
           <a:p>
             <a:fld id="{8477DB91-D4F4-47C0-BB7C-05B39326A595}" type="datetimeFigureOut">
               <a:rPr lang="de-CH" smtClean="0"/>
-              <a:t>30.09.2016</a:t>
+              <a:t>20.10.2016</a:t>
             </a:fld>
             <a:endParaRPr lang="de-CH"/>
           </a:p>
@@ -6262,7 +6262,7 @@
                 </a:solidFill>
               </a:rPr>
               <a:pPr/>
-              <a:t>9/30/2016</a:t>
+              <a:t>10/20/2016</a:t>
             </a:fld>
             <a:endParaRPr lang="en-US">
               <a:solidFill>
@@ -11530,8 +11530,8 @@
           </p:nvSpPr>
           <p:spPr>
             <a:xfrm>
-              <a:off x="6358006" y="5034398"/>
-              <a:ext cx="1804012" cy="926181"/>
+              <a:off x="6401790" y="5033745"/>
+              <a:ext cx="1760228" cy="926181"/>
             </a:xfrm>
             <a:prstGeom prst="rect">
               <a:avLst/>
@@ -11582,7 +11582,7 @@
           </p:nvSpPr>
           <p:spPr>
             <a:xfrm>
-              <a:off x="8264854" y="5033744"/>
+              <a:off x="8264854" y="5033745"/>
               <a:ext cx="2534333" cy="927017"/>
             </a:xfrm>
             <a:prstGeom prst="rect">
@@ -11657,8 +11657,8 @@
           </p:nvSpPr>
           <p:spPr>
             <a:xfrm>
-              <a:off x="1438934" y="5040615"/>
-              <a:ext cx="1455215" cy="918251"/>
+              <a:off x="1438935" y="5033745"/>
+              <a:ext cx="1405329" cy="918251"/>
             </a:xfrm>
             <a:prstGeom prst="rect">
               <a:avLst/>
@@ -11708,8 +11708,8 @@
           </p:nvSpPr>
           <p:spPr>
             <a:xfrm>
-              <a:off x="4754193" y="5041718"/>
-              <a:ext cx="1433403" cy="927017"/>
+              <a:off x="4943872" y="5033745"/>
+              <a:ext cx="1339735" cy="927017"/>
             </a:xfrm>
             <a:prstGeom prst="rect">
               <a:avLst/>
@@ -11760,8 +11760,8 @@
           </p:nvSpPr>
           <p:spPr>
             <a:xfrm>
-              <a:off x="3017292" y="5047755"/>
-              <a:ext cx="1613756" cy="914129"/>
+              <a:off x="2947101" y="5033745"/>
+              <a:ext cx="1900760" cy="914129"/>
             </a:xfrm>
             <a:prstGeom prst="rect">
               <a:avLst/>
@@ -11818,7 +11818,7 @@
                     <a:prstClr val="white"/>
                   </a:solidFill>
                 </a:rPr>
-                <a:t>0_0_1.dds.gz</a:t>
+                <a:t>0_0_1.bin.dds.gz</a:t>
               </a:r>
               <a:endParaRPr lang="de-CH" sz="1350" dirty="0">
                 <a:solidFill>
